--- a/good_bad_ugly_mocking.pptx
+++ b/good_bad_ugly_mocking.pptx
@@ -317,7 +317,7 @@
           <a:p>
             <a:fld id="{597EBE8A-E967-4265-90E3-8E072D2E9DDC}" type="datetimeFigureOut">
               <a:rPr lang="en-GB" smtClean="0"/>
-              <a:t>14/01/2014</a:t>
+              <a:t>16/01/2014</a:t>
             </a:fld>
             <a:endParaRPr lang="en-GB"/>
           </a:p>
@@ -482,7 +482,7 @@
           <a:p>
             <a:fld id="{597EBE8A-E967-4265-90E3-8E072D2E9DDC}" type="datetimeFigureOut">
               <a:rPr lang="en-GB" smtClean="0"/>
-              <a:t>14/01/2014</a:t>
+              <a:t>16/01/2014</a:t>
             </a:fld>
             <a:endParaRPr lang="en-GB"/>
           </a:p>
@@ -657,7 +657,7 @@
           <a:p>
             <a:fld id="{597EBE8A-E967-4265-90E3-8E072D2E9DDC}" type="datetimeFigureOut">
               <a:rPr lang="en-GB" smtClean="0"/>
-              <a:t>14/01/2014</a:t>
+              <a:t>16/01/2014</a:t>
             </a:fld>
             <a:endParaRPr lang="en-GB"/>
           </a:p>
@@ -822,7 +822,7 @@
           <a:p>
             <a:fld id="{597EBE8A-E967-4265-90E3-8E072D2E9DDC}" type="datetimeFigureOut">
               <a:rPr lang="en-GB" smtClean="0"/>
-              <a:t>14/01/2014</a:t>
+              <a:t>16/01/2014</a:t>
             </a:fld>
             <a:endParaRPr lang="en-GB"/>
           </a:p>
@@ -1063,7 +1063,7 @@
           <a:p>
             <a:fld id="{597EBE8A-E967-4265-90E3-8E072D2E9DDC}" type="datetimeFigureOut">
               <a:rPr lang="en-GB" smtClean="0"/>
-              <a:t>14/01/2014</a:t>
+              <a:t>16/01/2014</a:t>
             </a:fld>
             <a:endParaRPr lang="en-GB"/>
           </a:p>
@@ -1346,7 +1346,7 @@
           <a:p>
             <a:fld id="{597EBE8A-E967-4265-90E3-8E072D2E9DDC}" type="datetimeFigureOut">
               <a:rPr lang="en-GB" smtClean="0"/>
-              <a:t>14/01/2014</a:t>
+              <a:t>16/01/2014</a:t>
             </a:fld>
             <a:endParaRPr lang="en-GB"/>
           </a:p>
@@ -1775,7 +1775,7 @@
           <a:p>
             <a:fld id="{597EBE8A-E967-4265-90E3-8E072D2E9DDC}" type="datetimeFigureOut">
               <a:rPr lang="en-GB" smtClean="0"/>
-              <a:t>14/01/2014</a:t>
+              <a:t>16/01/2014</a:t>
             </a:fld>
             <a:endParaRPr lang="en-GB"/>
           </a:p>
@@ -1888,7 +1888,7 @@
           <a:p>
             <a:fld id="{597EBE8A-E967-4265-90E3-8E072D2E9DDC}" type="datetimeFigureOut">
               <a:rPr lang="en-GB" smtClean="0"/>
-              <a:t>14/01/2014</a:t>
+              <a:t>16/01/2014</a:t>
             </a:fld>
             <a:endParaRPr lang="en-GB"/>
           </a:p>
@@ -1978,7 +1978,7 @@
           <a:p>
             <a:fld id="{597EBE8A-E967-4265-90E3-8E072D2E9DDC}" type="datetimeFigureOut">
               <a:rPr lang="en-GB" smtClean="0"/>
-              <a:t>14/01/2014</a:t>
+              <a:t>16/01/2014</a:t>
             </a:fld>
             <a:endParaRPr lang="en-GB"/>
           </a:p>
@@ -2167,7 +2167,7 @@
           <a:p>
             <a:fld id="{597EBE8A-E967-4265-90E3-8E072D2E9DDC}" type="datetimeFigureOut">
               <a:rPr lang="en-GB" smtClean="0"/>
-              <a:t>14/01/2014</a:t>
+              <a:t>16/01/2014</a:t>
             </a:fld>
             <a:endParaRPr lang="en-GB"/>
           </a:p>
@@ -2485,7 +2485,7 @@
           <a:p>
             <a:fld id="{597EBE8A-E967-4265-90E3-8E072D2E9DDC}" type="datetimeFigureOut">
               <a:rPr lang="en-GB" smtClean="0"/>
-              <a:t>14/01/2014</a:t>
+              <a:t>16/01/2014</a:t>
             </a:fld>
             <a:endParaRPr lang="en-GB"/>
           </a:p>
@@ -2864,7 +2864,7 @@
           <a:p>
             <a:fld id="{597EBE8A-E967-4265-90E3-8E072D2E9DDC}" type="datetimeFigureOut">
               <a:rPr lang="en-GB" smtClean="0"/>
-              <a:t>14/01/2014</a:t>
+              <a:t>16/01/2014</a:t>
             </a:fld>
             <a:endParaRPr lang="en-GB"/>
           </a:p>
@@ -3676,7 +3676,6 @@
               <a:rPr lang="en-GB" sz="3800" dirty="0" smtClean="0"/>
               <a:t>Hard to reuse</a:t>
             </a:r>
-            <a:endParaRPr lang="en-GB" sz="3800" dirty="0" smtClean="0"/>
           </a:p>
         </p:txBody>
       </p:sp>
@@ -4148,17 +4147,8 @@
           <a:p>
             <a:r>
               <a:rPr lang="en-GB" sz="3600" dirty="0" smtClean="0"/>
-              <a:t>Onl</a:t>
-            </a:r>
-            <a:r>
-              <a:rPr lang="en-GB" sz="3600" dirty="0" smtClean="0"/>
-              <a:t>y m</a:t>
-            </a:r>
-            <a:r>
-              <a:rPr lang="en-GB" sz="3600" dirty="0" smtClean="0"/>
-              <a:t>ock external dependencies</a:t>
-            </a:r>
-            <a:endParaRPr lang="en-GB" sz="3600" dirty="0" smtClean="0"/>
+              <a:t>Only mock external dependencies</a:t>
+            </a:r>
           </a:p>
           <a:p>
             <a:r>
@@ -4171,7 +4161,6 @@
               <a:rPr lang="en-GB" sz="3600" dirty="0" smtClean="0"/>
               <a:t>Tests should be readable</a:t>
             </a:r>
-            <a:endParaRPr lang="en-GB" sz="3600" dirty="0" smtClean="0"/>
           </a:p>
           <a:p>
             <a:r>
@@ -4276,11 +4265,7 @@
           <a:p>
             <a:r>
               <a:rPr lang="en-GB" sz="2800" dirty="0" smtClean="0"/>
-              <a:t>The </a:t>
-            </a:r>
-            <a:r>
-              <a:rPr lang="en-GB" sz="2800" dirty="0" smtClean="0"/>
-              <a:t>Art of Unit Testing (2</a:t>
+              <a:t>The Art of Unit Testing (2</a:t>
             </a:r>
             <a:r>
               <a:rPr lang="en-GB" sz="2800" baseline="30000" dirty="0" smtClean="0"/>
@@ -4288,22 +4273,24 @@
             </a:r>
             <a:r>
               <a:rPr lang="en-GB" sz="2800" dirty="0" smtClean="0"/>
-              <a:t> Ed.) (</a:t>
-            </a:r>
-            <a:r>
-              <a:rPr lang="en-GB" sz="2800" dirty="0" err="1" smtClean="0"/>
-              <a:t>Mannings</a:t>
+              <a:t> Ed</a:t>
+            </a:r>
+            <a:r>
+              <a:rPr lang="en-GB" sz="2800" smtClean="0"/>
+              <a:t>.) </a:t>
+            </a:r>
+            <a:endParaRPr lang="en-GB" sz="2800" smtClean="0"/>
+          </a:p>
+          <a:p>
+            <a:r>
+              <a:rPr lang="en-GB" sz="2800" smtClean="0"/>
+              <a:t>Growing </a:t>
             </a:r>
             <a:r>
               <a:rPr lang="en-GB" sz="2800" dirty="0" smtClean="0"/>
-              <a:t>)</a:t>
-            </a:r>
-          </a:p>
-          <a:p>
-            <a:r>
-              <a:rPr lang="en-GB" sz="2800" dirty="0" smtClean="0"/>
-              <a:t>Growing Object-Oriented Software (Addison Wesley) </a:t>
-            </a:r>
+              <a:t>Object-Oriented Software </a:t>
+            </a:r>
+            <a:endParaRPr lang="en-GB" sz="2800" dirty="0" smtClean="0"/>
           </a:p>
           <a:p>
             <a:r>
@@ -4312,16 +4299,28 @@
             </a:r>
             <a:r>
               <a:rPr lang="en-GB" sz="2800" dirty="0" smtClean="0"/>
-              <a:t> Test </a:t>
+              <a:t> </a:t>
+            </a:r>
+            <a:r>
+              <a:rPr lang="en-GB" sz="2800" dirty="0" smtClean="0"/>
+              <a:t>Test </a:t>
             </a:r>
             <a:r>
               <a:rPr lang="en-GB" sz="2800" dirty="0"/>
-              <a:t>Patterns (Addison Wesley</a:t>
-            </a:r>
+              <a:t>Patterns </a:t>
+            </a:r>
+            <a:endParaRPr lang="en-GB" sz="2800" dirty="0" smtClean="0"/>
+          </a:p>
+          <a:p>
             <a:r>
               <a:rPr lang="en-GB" sz="2800" dirty="0" smtClean="0"/>
-              <a:t>)</a:t>
-            </a:r>
+              <a:t>Agile </a:t>
+            </a:r>
+            <a:r>
+              <a:rPr lang="en-GB" sz="2800" dirty="0"/>
+              <a:t>Principles, Patterns, and Practices in C#</a:t>
+            </a:r>
+            <a:endParaRPr lang="en-GB" sz="2800" dirty="0" smtClean="0"/>
           </a:p>
           <a:p>
             <a:endParaRPr lang="en-GB" sz="2800" dirty="0"/>
@@ -4341,7 +4340,6 @@
               <a:rPr lang="en-GB" sz="2800" dirty="0"/>
               <a:t>http://pluralsight.com/training</a:t>
             </a:r>
-            <a:endParaRPr lang="en-GB" sz="2800" dirty="0"/>
           </a:p>
         </p:txBody>
       </p:sp>
@@ -4969,11 +4967,7 @@
           <a:p>
             <a:r>
               <a:rPr lang="en-GB" sz="4000" dirty="0" smtClean="0"/>
-              <a:t>Questions</a:t>
-            </a:r>
-            <a:r>
-              <a:rPr lang="en-GB" sz="4000" dirty="0" smtClean="0"/>
-              <a:t>?</a:t>
+              <a:t>Questions?</a:t>
             </a:r>
           </a:p>
         </p:txBody>
@@ -5100,11 +5094,7 @@
             </a:r>
             <a:r>
               <a:rPr lang="en-GB" sz="3500" dirty="0" smtClean="0"/>
-              <a:t>ways</a:t>
-            </a:r>
-            <a:r>
-              <a:rPr lang="en-GB" sz="3500" dirty="0" smtClean="0"/>
-              <a:t>.” </a:t>
+              <a:t>ways.” </a:t>
             </a:r>
             <a:r>
               <a:rPr lang="en-GB" sz="3500" dirty="0"/>
@@ -5622,7 +5612,6 @@
               <a:rPr lang="en-GB" sz="3600" dirty="0" smtClean="0"/>
               <a:t>.”</a:t>
             </a:r>
-            <a:endParaRPr lang="en-GB" sz="3600" dirty="0" smtClean="0"/>
           </a:p>
         </p:txBody>
       </p:sp>
@@ -5764,7 +5753,6 @@
               <a:rPr lang="en-GB" sz="3600" dirty="0" smtClean="0"/>
               <a:t>.”</a:t>
             </a:r>
-            <a:endParaRPr lang="en-GB" sz="3600" dirty="0" smtClean="0"/>
           </a:p>
         </p:txBody>
       </p:sp>
